--- a/doc/Моделирование зеркального кубика Рубика.pptx
+++ b/doc/Моделирование зеркального кубика Рубика.pptx
@@ -8,12 +8,15 @@
     <p:sldId id="256" r:id="rId2"/>
     <p:sldId id="257" r:id="rId3"/>
     <p:sldId id="259" r:id="rId4"/>
-    <p:sldId id="262" r:id="rId5"/>
-    <p:sldId id="260" r:id="rId6"/>
-    <p:sldId id="263" r:id="rId7"/>
-    <p:sldId id="261" r:id="rId8"/>
-    <p:sldId id="264" r:id="rId9"/>
-    <p:sldId id="258" r:id="rId10"/>
+    <p:sldId id="266" r:id="rId5"/>
+    <p:sldId id="262" r:id="rId6"/>
+    <p:sldId id="260" r:id="rId7"/>
+    <p:sldId id="267" r:id="rId8"/>
+    <p:sldId id="265" r:id="rId9"/>
+    <p:sldId id="263" r:id="rId10"/>
+    <p:sldId id="261" r:id="rId11"/>
+    <p:sldId id="264" r:id="rId12"/>
+    <p:sldId id="258" r:id="rId13"/>
   </p:sldIdLst>
   <p:sldSz cx="12192000" cy="6858000"/>
   <p:notesSz cx="6858000" cy="9144000"/>
@@ -112,6 +115,11 @@
       </a:defRPr>
     </a:lvl9pPr>
   </p:defaultTextStyle>
+  <p:extLst>
+    <p:ext uri="{EFAFB233-063F-42B5-8137-9DF3F51BA10A}">
+      <p15:sldGuideLst xmlns:p15="http://schemas.microsoft.com/office/powerpoint/2012/main"/>
+    </p:ext>
+  </p:extLst>
 </p:presentation>
 </file>
 
@@ -3479,6 +3487,448 @@
 </p:sld>
 </file>
 
+<file path=ppt/slides/slide10.xml><?xml version="1.0" encoding="utf-8"?>
+<p:sld xmlns:a="http://schemas.openxmlformats.org/drawingml/2006/main" xmlns:r="http://schemas.openxmlformats.org/officeDocument/2006/relationships" xmlns:p="http://schemas.openxmlformats.org/presentationml/2006/main">
+  <p:cSld>
+    <p:spTree>
+      <p:nvGrpSpPr>
+        <p:cNvPr id="1" name=""/>
+        <p:cNvGrpSpPr/>
+        <p:nvPr/>
+      </p:nvGrpSpPr>
+      <p:grpSpPr>
+        <a:xfrm>
+          <a:off x="0" y="0"/>
+          <a:ext cx="0" cy="0"/>
+          <a:chOff x="0" y="0"/>
+          <a:chExt cx="0" cy="0"/>
+        </a:xfrm>
+      </p:grpSpPr>
+      <p:sp>
+        <p:nvSpPr>
+          <p:cNvPr id="2" name="Title 1">
+            <a:extLst>
+              <a:ext uri="{FF2B5EF4-FFF2-40B4-BE49-F238E27FC236}">
+                <a16:creationId xmlns:a16="http://schemas.microsoft.com/office/drawing/2014/main" id="{8D98A8AE-D14B-43F3-A75E-FAAFC15B87BE}"/>
+              </a:ext>
+            </a:extLst>
+          </p:cNvPr>
+          <p:cNvSpPr>
+            <a:spLocks noGrp="1"/>
+          </p:cNvSpPr>
+          <p:nvPr>
+            <p:ph type="title"/>
+          </p:nvPr>
+        </p:nvSpPr>
+        <p:spPr/>
+        <p:txBody>
+          <a:bodyPr/>
+          <a:lstStyle/>
+          <a:p>
+            <a:r>
+              <a:rPr lang="ru-RU" dirty="0"/>
+              <a:t>Интерфейс программы</a:t>
+            </a:r>
+            <a:endParaRPr lang="en-US" dirty="0"/>
+          </a:p>
+        </p:txBody>
+      </p:sp>
+      <p:pic>
+        <p:nvPicPr>
+          <p:cNvPr id="4" name="Picture 3">
+            <a:extLst>
+              <a:ext uri="{FF2B5EF4-FFF2-40B4-BE49-F238E27FC236}">
+                <a16:creationId xmlns:a16="http://schemas.microsoft.com/office/drawing/2014/main" id="{0181ECA6-D590-46B3-8824-AA78EBB82252}"/>
+              </a:ext>
+            </a:extLst>
+          </p:cNvPr>
+          <p:cNvPicPr>
+            <a:picLocks noChangeAspect="1"/>
+          </p:cNvPicPr>
+          <p:nvPr/>
+        </p:nvPicPr>
+        <p:blipFill>
+          <a:blip r:embed="rId2">
+            <a:extLst>
+              <a:ext uri="{28A0092B-C50C-407E-A947-70E740481C1C}">
+                <a14:useLocalDpi xmlns:a14="http://schemas.microsoft.com/office/drawing/2010/main" val="0"/>
+              </a:ext>
+            </a:extLst>
+          </a:blip>
+          <a:stretch>
+            <a:fillRect/>
+          </a:stretch>
+        </p:blipFill>
+        <p:spPr>
+          <a:xfrm>
+            <a:off x="2592198" y="1690688"/>
+            <a:ext cx="6576969" cy="4565070"/>
+          </a:xfrm>
+          <a:prstGeom prst="rect">
+            <a:avLst/>
+          </a:prstGeom>
+        </p:spPr>
+      </p:pic>
+    </p:spTree>
+    <p:extLst>
+      <p:ext uri="{BB962C8B-B14F-4D97-AF65-F5344CB8AC3E}">
+        <p14:creationId xmlns:p14="http://schemas.microsoft.com/office/powerpoint/2010/main" val="839495447"/>
+      </p:ext>
+    </p:extLst>
+  </p:cSld>
+  <p:clrMapOvr>
+    <a:masterClrMapping/>
+  </p:clrMapOvr>
+</p:sld>
+</file>
+
+<file path=ppt/slides/slide11.xml><?xml version="1.0" encoding="utf-8"?>
+<p:sld xmlns:a="http://schemas.openxmlformats.org/drawingml/2006/main" xmlns:r="http://schemas.openxmlformats.org/officeDocument/2006/relationships" xmlns:p="http://schemas.openxmlformats.org/presentationml/2006/main">
+  <p:cSld>
+    <p:spTree>
+      <p:nvGrpSpPr>
+        <p:cNvPr id="1" name=""/>
+        <p:cNvGrpSpPr/>
+        <p:nvPr/>
+      </p:nvGrpSpPr>
+      <p:grpSpPr>
+        <a:xfrm>
+          <a:off x="0" y="0"/>
+          <a:ext cx="0" cy="0"/>
+          <a:chOff x="0" y="0"/>
+          <a:chExt cx="0" cy="0"/>
+        </a:xfrm>
+      </p:grpSpPr>
+      <p:sp>
+        <p:nvSpPr>
+          <p:cNvPr id="2" name="Title 1">
+            <a:extLst>
+              <a:ext uri="{FF2B5EF4-FFF2-40B4-BE49-F238E27FC236}">
+                <a16:creationId xmlns:a16="http://schemas.microsoft.com/office/drawing/2014/main" id="{4FD0403D-E0D4-476D-B84F-E54ED9B05E7F}"/>
+              </a:ext>
+            </a:extLst>
+          </p:cNvPr>
+          <p:cNvSpPr>
+            <a:spLocks noGrp="1"/>
+          </p:cNvSpPr>
+          <p:nvPr>
+            <p:ph type="title"/>
+          </p:nvPr>
+        </p:nvSpPr>
+        <p:spPr/>
+        <p:txBody>
+          <a:bodyPr/>
+          <a:lstStyle/>
+          <a:p>
+            <a:r>
+              <a:rPr lang="ru-RU" dirty="0"/>
+              <a:t>Замеры времени</a:t>
+            </a:r>
+            <a:endParaRPr lang="en-US" dirty="0"/>
+          </a:p>
+        </p:txBody>
+      </p:sp>
+      <p:pic>
+        <p:nvPicPr>
+          <p:cNvPr id="5" name="Content Placeholder 4">
+            <a:extLst>
+              <a:ext uri="{FF2B5EF4-FFF2-40B4-BE49-F238E27FC236}">
+                <a16:creationId xmlns:a16="http://schemas.microsoft.com/office/drawing/2014/main" id="{CB416C42-6BEA-416D-B7C6-A92DBDEBDFB4}"/>
+              </a:ext>
+            </a:extLst>
+          </p:cNvPr>
+          <p:cNvPicPr>
+            <a:picLocks noGrp="1" noChangeAspect="1"/>
+          </p:cNvPicPr>
+          <p:nvPr>
+            <p:ph idx="1"/>
+          </p:nvPr>
+        </p:nvPicPr>
+        <p:blipFill>
+          <a:blip r:embed="rId2">
+            <a:extLst>
+              <a:ext uri="{28A0092B-C50C-407E-A947-70E740481C1C}">
+                <a14:useLocalDpi xmlns:a14="http://schemas.microsoft.com/office/drawing/2010/main" val="0"/>
+              </a:ext>
+            </a:extLst>
+          </a:blip>
+          <a:stretch>
+            <a:fillRect/>
+          </a:stretch>
+        </p:blipFill>
+        <p:spPr>
+          <a:xfrm>
+            <a:off x="838200" y="1688654"/>
+            <a:ext cx="4253918" cy="2381586"/>
+          </a:xfrm>
+        </p:spPr>
+      </p:pic>
+      <p:pic>
+        <p:nvPicPr>
+          <p:cNvPr id="7" name="Picture 6">
+            <a:extLst>
+              <a:ext uri="{FF2B5EF4-FFF2-40B4-BE49-F238E27FC236}">
+                <a16:creationId xmlns:a16="http://schemas.microsoft.com/office/drawing/2014/main" id="{3EF4C7D7-6322-4354-8278-F60A94C3E629}"/>
+              </a:ext>
+            </a:extLst>
+          </p:cNvPr>
+          <p:cNvPicPr>
+            <a:picLocks noChangeAspect="1"/>
+          </p:cNvPicPr>
+          <p:nvPr/>
+        </p:nvPicPr>
+        <p:blipFill>
+          <a:blip r:embed="rId3">
+            <a:extLst>
+              <a:ext uri="{28A0092B-C50C-407E-A947-70E740481C1C}">
+                <a14:useLocalDpi xmlns:a14="http://schemas.microsoft.com/office/drawing/2010/main" val="0"/>
+              </a:ext>
+            </a:extLst>
+          </a:blip>
+          <a:stretch>
+            <a:fillRect/>
+          </a:stretch>
+        </p:blipFill>
+        <p:spPr>
+          <a:xfrm>
+            <a:off x="6974184" y="1688653"/>
+            <a:ext cx="4241898" cy="2377689"/>
+          </a:xfrm>
+          <a:prstGeom prst="rect">
+            <a:avLst/>
+          </a:prstGeom>
+        </p:spPr>
+      </p:pic>
+      <p:pic>
+        <p:nvPicPr>
+          <p:cNvPr id="9" name="Picture 8">
+            <a:extLst>
+              <a:ext uri="{FF2B5EF4-FFF2-40B4-BE49-F238E27FC236}">
+                <a16:creationId xmlns:a16="http://schemas.microsoft.com/office/drawing/2014/main" id="{F6E47396-A39E-4B9B-91AD-831CF4A64CB1}"/>
+              </a:ext>
+            </a:extLst>
+          </p:cNvPr>
+          <p:cNvPicPr>
+            <a:picLocks noChangeAspect="1"/>
+          </p:cNvPicPr>
+          <p:nvPr/>
+        </p:nvPicPr>
+        <p:blipFill>
+          <a:blip r:embed="rId4">
+            <a:extLst>
+              <a:ext uri="{28A0092B-C50C-407E-A947-70E740481C1C}">
+                <a14:useLocalDpi xmlns:a14="http://schemas.microsoft.com/office/drawing/2010/main" val="0"/>
+              </a:ext>
+            </a:extLst>
+          </a:blip>
+          <a:stretch>
+            <a:fillRect/>
+          </a:stretch>
+        </p:blipFill>
+        <p:spPr>
+          <a:xfrm>
+            <a:off x="838200" y="4143537"/>
+            <a:ext cx="4243621" cy="2374709"/>
+          </a:xfrm>
+          <a:prstGeom prst="rect">
+            <a:avLst/>
+          </a:prstGeom>
+        </p:spPr>
+      </p:pic>
+      <p:pic>
+        <p:nvPicPr>
+          <p:cNvPr id="11" name="Picture 10">
+            <a:extLst>
+              <a:ext uri="{FF2B5EF4-FFF2-40B4-BE49-F238E27FC236}">
+                <a16:creationId xmlns:a16="http://schemas.microsoft.com/office/drawing/2014/main" id="{002D916B-88AF-4BC6-8EC0-336D02DDBFF5}"/>
+              </a:ext>
+            </a:extLst>
+          </p:cNvPr>
+          <p:cNvPicPr>
+            <a:picLocks noChangeAspect="1"/>
+          </p:cNvPicPr>
+          <p:nvPr/>
+        </p:nvPicPr>
+        <p:blipFill>
+          <a:blip r:embed="rId5">
+            <a:extLst>
+              <a:ext uri="{28A0092B-C50C-407E-A947-70E740481C1C}">
+                <a14:useLocalDpi xmlns:a14="http://schemas.microsoft.com/office/drawing/2010/main" val="0"/>
+              </a:ext>
+            </a:extLst>
+          </a:blip>
+          <a:stretch>
+            <a:fillRect/>
+          </a:stretch>
+        </p:blipFill>
+        <p:spPr>
+          <a:xfrm>
+            <a:off x="6974184" y="4143537"/>
+            <a:ext cx="4263690" cy="2383098"/>
+          </a:xfrm>
+          <a:prstGeom prst="rect">
+            <a:avLst/>
+          </a:prstGeom>
+        </p:spPr>
+      </p:pic>
+    </p:spTree>
+    <p:extLst>
+      <p:ext uri="{BB962C8B-B14F-4D97-AF65-F5344CB8AC3E}">
+        <p14:creationId xmlns:p14="http://schemas.microsoft.com/office/powerpoint/2010/main" val="3230398940"/>
+      </p:ext>
+    </p:extLst>
+  </p:cSld>
+  <p:clrMapOvr>
+    <a:masterClrMapping/>
+  </p:clrMapOvr>
+</p:sld>
+</file>
+
+<file path=ppt/slides/slide12.xml><?xml version="1.0" encoding="utf-8"?>
+<p:sld xmlns:a="http://schemas.openxmlformats.org/drawingml/2006/main" xmlns:r="http://schemas.openxmlformats.org/officeDocument/2006/relationships" xmlns:p="http://schemas.openxmlformats.org/presentationml/2006/main">
+  <p:cSld>
+    <p:spTree>
+      <p:nvGrpSpPr>
+        <p:cNvPr id="1" name=""/>
+        <p:cNvGrpSpPr/>
+        <p:nvPr/>
+      </p:nvGrpSpPr>
+      <p:grpSpPr>
+        <a:xfrm>
+          <a:off x="0" y="0"/>
+          <a:ext cx="0" cy="0"/>
+          <a:chOff x="0" y="0"/>
+          <a:chExt cx="0" cy="0"/>
+        </a:xfrm>
+      </p:grpSpPr>
+      <p:sp>
+        <p:nvSpPr>
+          <p:cNvPr id="2" name="Title 1">
+            <a:extLst>
+              <a:ext uri="{FF2B5EF4-FFF2-40B4-BE49-F238E27FC236}">
+                <a16:creationId xmlns:a16="http://schemas.microsoft.com/office/drawing/2014/main" id="{F9DAD973-660A-4D9E-9722-86BE54F8FF21}"/>
+              </a:ext>
+            </a:extLst>
+          </p:cNvPr>
+          <p:cNvSpPr>
+            <a:spLocks noGrp="1"/>
+          </p:cNvSpPr>
+          <p:nvPr>
+            <p:ph type="title"/>
+          </p:nvPr>
+        </p:nvSpPr>
+        <p:spPr/>
+        <p:txBody>
+          <a:bodyPr/>
+          <a:lstStyle/>
+          <a:p>
+            <a:r>
+              <a:rPr lang="ru-RU" dirty="0"/>
+              <a:t>Заключение</a:t>
+            </a:r>
+            <a:endParaRPr lang="en-US" dirty="0"/>
+          </a:p>
+        </p:txBody>
+      </p:sp>
+      <p:sp>
+        <p:nvSpPr>
+          <p:cNvPr id="3" name="Content Placeholder 2">
+            <a:extLst>
+              <a:ext uri="{FF2B5EF4-FFF2-40B4-BE49-F238E27FC236}">
+                <a16:creationId xmlns:a16="http://schemas.microsoft.com/office/drawing/2014/main" id="{6E355C6D-8EDE-496B-8717-B91CD1901C01}"/>
+              </a:ext>
+            </a:extLst>
+          </p:cNvPr>
+          <p:cNvSpPr>
+            <a:spLocks noGrp="1"/>
+          </p:cNvSpPr>
+          <p:nvPr>
+            <p:ph idx="1"/>
+          </p:nvPr>
+        </p:nvSpPr>
+        <p:spPr/>
+        <p:txBody>
+          <a:bodyPr/>
+          <a:lstStyle/>
+          <a:p>
+            <a:pPr marL="0" indent="0">
+              <a:buNone/>
+            </a:pPr>
+            <a:r>
+              <a:rPr lang="ru-RU" dirty="0"/>
+              <a:t>В ходе выполнения курсовой работы были получены следующие результаты:</a:t>
+            </a:r>
+          </a:p>
+          <a:p>
+            <a:pPr>
+              <a:buFont typeface="Symbol" panose="05050102010706020507" pitchFamily="18" charset="2"/>
+              <a:buChar char="-"/>
+            </a:pPr>
+            <a:r>
+              <a:rPr lang="ru-RU" dirty="0"/>
+              <a:t>изучены различные способы отрисовки сцены</a:t>
+            </a:r>
+            <a:r>
+              <a:rPr lang="en-US" dirty="0"/>
+              <a:t>;</a:t>
+            </a:r>
+            <a:endParaRPr lang="ru-RU" dirty="0"/>
+          </a:p>
+          <a:p>
+            <a:pPr>
+              <a:buFont typeface="Symbol" panose="05050102010706020507" pitchFamily="18" charset="2"/>
+              <a:buChar char="-"/>
+            </a:pPr>
+            <a:r>
+              <a:rPr lang="ru-RU" dirty="0"/>
+              <a:t>спроектирована и реализована программа, моделирующая зеркальный кубик Рубика</a:t>
+            </a:r>
+            <a:r>
+              <a:rPr lang="en-US" dirty="0"/>
+              <a:t>;</a:t>
+            </a:r>
+          </a:p>
+          <a:p>
+            <a:pPr>
+              <a:buFont typeface="Symbol" panose="05050102010706020507" pitchFamily="18" charset="2"/>
+              <a:buChar char="-"/>
+            </a:pPr>
+            <a:r>
+              <a:rPr lang="ru-RU" dirty="0"/>
+              <a:t>разработанная программа при отрисовке сцены учитывает наличие источников света</a:t>
+            </a:r>
+            <a:r>
+              <a:rPr lang="en-US" dirty="0"/>
+              <a:t>;</a:t>
+            </a:r>
+            <a:endParaRPr lang="ru-RU" dirty="0"/>
+          </a:p>
+          <a:p>
+            <a:pPr>
+              <a:buFont typeface="Symbol" panose="05050102010706020507" pitchFamily="18" charset="2"/>
+              <a:buChar char="-"/>
+            </a:pPr>
+            <a:r>
+              <a:rPr lang="ru-RU" dirty="0"/>
+              <a:t>разработанная программа поддерживает возможность изменять позицию камеры и конфигурацию зеркального кубика Рубика.</a:t>
+            </a:r>
+            <a:endParaRPr lang="en-US" dirty="0"/>
+          </a:p>
+        </p:txBody>
+      </p:sp>
+    </p:spTree>
+    <p:extLst>
+      <p:ext uri="{BB962C8B-B14F-4D97-AF65-F5344CB8AC3E}">
+        <p14:creationId xmlns:p14="http://schemas.microsoft.com/office/powerpoint/2010/main" val="114466701"/>
+      </p:ext>
+    </p:extLst>
+  </p:cSld>
+  <p:clrMapOvr>
+    <a:masterClrMapping/>
+  </p:clrMapOvr>
+</p:sld>
+</file>
+
 <file path=ppt/slides/slide2.xml><?xml version="1.0" encoding="utf-8"?>
 <p:sld xmlns:a="http://schemas.openxmlformats.org/drawingml/2006/main" xmlns:r="http://schemas.openxmlformats.org/officeDocument/2006/relationships" xmlns:p="http://schemas.openxmlformats.org/presentationml/2006/main">
   <p:cSld>
@@ -3772,6 +4222,94 @@
           <p:cNvPr id="2" name="Title 1">
             <a:extLst>
               <a:ext uri="{FF2B5EF4-FFF2-40B4-BE49-F238E27FC236}">
+                <a16:creationId xmlns:a16="http://schemas.microsoft.com/office/drawing/2014/main" id="{C4ACEB89-C16D-4B52-99BD-7460DCF4A74B}"/>
+              </a:ext>
+            </a:extLst>
+          </p:cNvPr>
+          <p:cNvSpPr>
+            <a:spLocks noGrp="1"/>
+          </p:cNvSpPr>
+          <p:nvPr>
+            <p:ph type="title"/>
+          </p:nvPr>
+        </p:nvSpPr>
+        <p:spPr/>
+        <p:txBody>
+          <a:bodyPr/>
+          <a:lstStyle/>
+          <a:p>
+            <a:r>
+              <a:rPr lang="ru-RU" dirty="0"/>
+              <a:t>Пропорции зеркального кубика Рубика</a:t>
+            </a:r>
+            <a:endParaRPr lang="en-US" dirty="0"/>
+          </a:p>
+        </p:txBody>
+      </p:sp>
+      <p:pic>
+        <p:nvPicPr>
+          <p:cNvPr id="5" name="Content Placeholder 4">
+            <a:extLst>
+              <a:ext uri="{FF2B5EF4-FFF2-40B4-BE49-F238E27FC236}">
+                <a16:creationId xmlns:a16="http://schemas.microsoft.com/office/drawing/2014/main" id="{9678650E-EB92-486D-B7FA-F0E60F2FCA5D}"/>
+              </a:ext>
+            </a:extLst>
+          </p:cNvPr>
+          <p:cNvPicPr>
+            <a:picLocks noGrp="1" noChangeAspect="1"/>
+          </p:cNvPicPr>
+          <p:nvPr>
+            <p:ph idx="1"/>
+          </p:nvPr>
+        </p:nvPicPr>
+        <p:blipFill>
+          <a:blip r:embed="rId2"/>
+          <a:stretch>
+            <a:fillRect/>
+          </a:stretch>
+        </p:blipFill>
+        <p:spPr>
+          <a:xfrm>
+            <a:off x="2550252" y="1343628"/>
+            <a:ext cx="6996419" cy="5244070"/>
+          </a:xfrm>
+        </p:spPr>
+      </p:pic>
+    </p:spTree>
+    <p:extLst>
+      <p:ext uri="{BB962C8B-B14F-4D97-AF65-F5344CB8AC3E}">
+        <p14:creationId xmlns:p14="http://schemas.microsoft.com/office/powerpoint/2010/main" val="2905797765"/>
+      </p:ext>
+    </p:extLst>
+  </p:cSld>
+  <p:clrMapOvr>
+    <a:masterClrMapping/>
+  </p:clrMapOvr>
+</p:sld>
+</file>
+
+<file path=ppt/slides/slide5.xml><?xml version="1.0" encoding="utf-8"?>
+<p:sld xmlns:a="http://schemas.openxmlformats.org/drawingml/2006/main" xmlns:r="http://schemas.openxmlformats.org/officeDocument/2006/relationships" xmlns:p="http://schemas.openxmlformats.org/presentationml/2006/main">
+  <p:cSld>
+    <p:spTree>
+      <p:nvGrpSpPr>
+        <p:cNvPr id="1" name=""/>
+        <p:cNvGrpSpPr/>
+        <p:nvPr/>
+      </p:nvGrpSpPr>
+      <p:grpSpPr>
+        <a:xfrm>
+          <a:off x="0" y="0"/>
+          <a:ext cx="0" cy="0"/>
+          <a:chOff x="0" y="0"/>
+          <a:chExt cx="0" cy="0"/>
+        </a:xfrm>
+      </p:grpSpPr>
+      <p:sp>
+        <p:nvSpPr>
+          <p:cNvPr id="2" name="Title 1">
+            <a:extLst>
+              <a:ext uri="{FF2B5EF4-FFF2-40B4-BE49-F238E27FC236}">
                 <a16:creationId xmlns:a16="http://schemas.microsoft.com/office/drawing/2014/main" id="{9029A631-249C-4DB7-A64C-6ECA319EFFDE}"/>
               </a:ext>
             </a:extLst>
@@ -3844,7 +4382,7 @@
 </p:sld>
 </file>
 
-<file path=ppt/slides/slide5.xml><?xml version="1.0" encoding="utf-8"?>
+<file path=ppt/slides/slide6.xml><?xml version="1.0" encoding="utf-8"?>
 <p:sld xmlns:a="http://schemas.openxmlformats.org/drawingml/2006/main" xmlns:r="http://schemas.openxmlformats.org/officeDocument/2006/relationships" xmlns:p="http://schemas.openxmlformats.org/presentationml/2006/main">
   <p:cSld>
     <p:spTree>
@@ -3933,165 +4471,6 @@
 </p:sld>
 </file>
 
-<file path=ppt/slides/slide6.xml><?xml version="1.0" encoding="utf-8"?>
-<p:sld xmlns:a="http://schemas.openxmlformats.org/drawingml/2006/main" xmlns:r="http://schemas.openxmlformats.org/officeDocument/2006/relationships" xmlns:p="http://schemas.openxmlformats.org/presentationml/2006/main">
-  <p:cSld>
-    <p:spTree>
-      <p:nvGrpSpPr>
-        <p:cNvPr id="1" name=""/>
-        <p:cNvGrpSpPr/>
-        <p:nvPr/>
-      </p:nvGrpSpPr>
-      <p:grpSpPr>
-        <a:xfrm>
-          <a:off x="0" y="0"/>
-          <a:ext cx="0" cy="0"/>
-          <a:chOff x="0" y="0"/>
-          <a:chExt cx="0" cy="0"/>
-        </a:xfrm>
-      </p:grpSpPr>
-      <p:sp>
-        <p:nvSpPr>
-          <p:cNvPr id="2" name="Title 1">
-            <a:extLst>
-              <a:ext uri="{FF2B5EF4-FFF2-40B4-BE49-F238E27FC236}">
-                <a16:creationId xmlns:a16="http://schemas.microsoft.com/office/drawing/2014/main" id="{46F39BCD-5448-4837-A11B-2F6FAB3DEFE0}"/>
-              </a:ext>
-            </a:extLst>
-          </p:cNvPr>
-          <p:cNvSpPr>
-            <a:spLocks noGrp="1"/>
-          </p:cNvSpPr>
-          <p:nvPr>
-            <p:ph type="title"/>
-          </p:nvPr>
-        </p:nvSpPr>
-        <p:spPr/>
-        <p:txBody>
-          <a:bodyPr/>
-          <a:lstStyle/>
-          <a:p>
-            <a:r>
-              <a:rPr lang="ru-RU" dirty="0"/>
-              <a:t>Полигональные модели</a:t>
-            </a:r>
-            <a:endParaRPr lang="en-US" dirty="0"/>
-          </a:p>
-        </p:txBody>
-      </p:sp>
-      <p:sp>
-        <p:nvSpPr>
-          <p:cNvPr id="7" name="Content Placeholder 6">
-            <a:extLst>
-              <a:ext uri="{FF2B5EF4-FFF2-40B4-BE49-F238E27FC236}">
-                <a16:creationId xmlns:a16="http://schemas.microsoft.com/office/drawing/2014/main" id="{7EAD31FE-0CE0-4EA5-9AC7-1B43F9D5A199}"/>
-              </a:ext>
-            </a:extLst>
-          </p:cNvPr>
-          <p:cNvSpPr>
-            <a:spLocks noGrp="1"/>
-          </p:cNvSpPr>
-          <p:nvPr>
-            <p:ph idx="1"/>
-          </p:nvPr>
-        </p:nvSpPr>
-        <p:spPr/>
-        <p:txBody>
-          <a:bodyPr/>
-          <a:lstStyle/>
-          <a:p>
-            <a:pPr marL="0" indent="0">
-              <a:buNone/>
-            </a:pPr>
-            <a:r>
-              <a:rPr lang="ru-RU" dirty="0"/>
-              <a:t>Сцена содержит в себе </a:t>
-            </a:r>
-            <a:r>
-              <a:rPr lang="en-US" dirty="0"/>
-              <a:t>763</a:t>
-            </a:r>
-            <a:r>
-              <a:rPr lang="ru-RU" dirty="0"/>
-              <a:t> полигонов.</a:t>
-            </a:r>
-            <a:endParaRPr lang="en-US" dirty="0"/>
-          </a:p>
-        </p:txBody>
-      </p:sp>
-      <p:pic>
-        <p:nvPicPr>
-          <p:cNvPr id="9" name="Picture 8">
-            <a:extLst>
-              <a:ext uri="{FF2B5EF4-FFF2-40B4-BE49-F238E27FC236}">
-                <a16:creationId xmlns:a16="http://schemas.microsoft.com/office/drawing/2014/main" id="{E52AC77D-F435-4234-AAAE-0F78BE92C9EF}"/>
-              </a:ext>
-            </a:extLst>
-          </p:cNvPr>
-          <p:cNvPicPr>
-            <a:picLocks noChangeAspect="1"/>
-          </p:cNvPicPr>
-          <p:nvPr/>
-        </p:nvPicPr>
-        <p:blipFill>
-          <a:blip r:embed="rId2"/>
-          <a:stretch>
-            <a:fillRect/>
-          </a:stretch>
-        </p:blipFill>
-        <p:spPr>
-          <a:xfrm>
-            <a:off x="6606763" y="3033243"/>
-            <a:ext cx="3810532" cy="3077004"/>
-          </a:xfrm>
-          <a:prstGeom prst="rect">
-            <a:avLst/>
-          </a:prstGeom>
-        </p:spPr>
-      </p:pic>
-      <p:pic>
-        <p:nvPicPr>
-          <p:cNvPr id="11" name="Picture 10">
-            <a:extLst>
-              <a:ext uri="{FF2B5EF4-FFF2-40B4-BE49-F238E27FC236}">
-                <a16:creationId xmlns:a16="http://schemas.microsoft.com/office/drawing/2014/main" id="{129C59D3-D2F7-4DE2-8018-5FEAE3C73C41}"/>
-              </a:ext>
-            </a:extLst>
-          </p:cNvPr>
-          <p:cNvPicPr>
-            <a:picLocks noChangeAspect="1"/>
-          </p:cNvPicPr>
-          <p:nvPr/>
-        </p:nvPicPr>
-        <p:blipFill>
-          <a:blip r:embed="rId3"/>
-          <a:stretch>
-            <a:fillRect/>
-          </a:stretch>
-        </p:blipFill>
-        <p:spPr>
-          <a:xfrm>
-            <a:off x="1191101" y="3042769"/>
-            <a:ext cx="3820058" cy="3067478"/>
-          </a:xfrm>
-          <a:prstGeom prst="rect">
-            <a:avLst/>
-          </a:prstGeom>
-        </p:spPr>
-      </p:pic>
-    </p:spTree>
-    <p:extLst>
-      <p:ext uri="{BB962C8B-B14F-4D97-AF65-F5344CB8AC3E}">
-        <p14:creationId xmlns:p14="http://schemas.microsoft.com/office/powerpoint/2010/main" val="104323476"/>
-      </p:ext>
-    </p:extLst>
-  </p:cSld>
-  <p:clrMapOvr>
-    <a:masterClrMapping/>
-  </p:clrMapOvr>
-</p:sld>
-</file>
-
 <file path=ppt/slides/slide7.xml><?xml version="1.0" encoding="utf-8"?>
 <p:sld xmlns:a="http://schemas.openxmlformats.org/drawingml/2006/main" xmlns:r="http://schemas.openxmlformats.org/officeDocument/2006/relationships" xmlns:p="http://schemas.openxmlformats.org/presentationml/2006/main">
   <p:cSld>
@@ -4114,7 +4493,7 @@
           <p:cNvPr id="2" name="Title 1">
             <a:extLst>
               <a:ext uri="{FF2B5EF4-FFF2-40B4-BE49-F238E27FC236}">
-                <a16:creationId xmlns:a16="http://schemas.microsoft.com/office/drawing/2014/main" id="{8D98A8AE-D14B-43F3-A75E-FAAFC15B87BE}"/>
+                <a16:creationId xmlns:a16="http://schemas.microsoft.com/office/drawing/2014/main" id="{59BA0B72-CC9C-4C55-8A5F-B7D167BA2553}"/>
               </a:ext>
             </a:extLst>
           </p:cNvPr>
@@ -4132,51 +4511,89 @@
           <a:p>
             <a:r>
               <a:rPr lang="ru-RU" dirty="0"/>
-              <a:t>Интерфейс программы</a:t>
+              <a:t>Обратная трассировка лучей</a:t>
             </a:r>
             <a:endParaRPr lang="en-US" dirty="0"/>
           </a:p>
         </p:txBody>
       </p:sp>
-      <p:pic>
-        <p:nvPicPr>
-          <p:cNvPr id="9" name="Content Placeholder 8">
-            <a:extLst>
-              <a:ext uri="{FF2B5EF4-FFF2-40B4-BE49-F238E27FC236}">
-                <a16:creationId xmlns:a16="http://schemas.microsoft.com/office/drawing/2014/main" id="{E9B7E626-4EAD-461D-85D0-D9061D168739}"/>
-              </a:ext>
-            </a:extLst>
-          </p:cNvPr>
-          <p:cNvPicPr>
-            <a:picLocks noGrp="1" noChangeAspect="1"/>
-          </p:cNvPicPr>
+      <p:sp>
+        <p:nvSpPr>
+          <p:cNvPr id="3" name="Content Placeholder 2">
+            <a:extLst>
+              <a:ext uri="{FF2B5EF4-FFF2-40B4-BE49-F238E27FC236}">
+                <a16:creationId xmlns:a16="http://schemas.microsoft.com/office/drawing/2014/main" id="{6EC8772D-DD6F-4424-83BB-A56A0DF4A217}"/>
+              </a:ext>
+            </a:extLst>
+          </p:cNvPr>
+          <p:cNvSpPr>
+            <a:spLocks noGrp="1"/>
+          </p:cNvSpPr>
           <p:nvPr>
             <p:ph idx="1"/>
           </p:nvPr>
-        </p:nvPicPr>
-        <p:blipFill>
-          <a:blip r:embed="rId2">
-            <a:extLst>
-              <a:ext uri="{28A0092B-C50C-407E-A947-70E740481C1C}">
-                <a14:useLocalDpi xmlns:a14="http://schemas.microsoft.com/office/drawing/2010/main" val="0"/>
-              </a:ext>
-            </a:extLst>
-          </a:blip>
-          <a:stretch>
-            <a:fillRect/>
-          </a:stretch>
-        </p:blipFill>
-        <p:spPr>
-          <a:xfrm>
-            <a:off x="2508308" y="1603911"/>
-            <a:ext cx="7175384" cy="4794766"/>
-          </a:xfrm>
-        </p:spPr>
-      </p:pic>
+        </p:nvSpPr>
+        <p:spPr/>
+        <p:txBody>
+          <a:bodyPr/>
+          <a:lstStyle/>
+          <a:p>
+            <a:pPr>
+              <a:buFont typeface="Symbol" panose="05050102010706020507" pitchFamily="18" charset="2"/>
+              <a:buChar char=""/>
+            </a:pPr>
+            <a:r>
+              <a:rPr lang="ru-RU" dirty="0"/>
+              <a:t>буффер отскоков</a:t>
+            </a:r>
+            <a:r>
+              <a:rPr lang="en-US" dirty="0"/>
+              <a:t>;</a:t>
+            </a:r>
+            <a:endParaRPr lang="ru-RU" dirty="0"/>
+          </a:p>
+          <a:p>
+            <a:pPr>
+              <a:buFont typeface="Symbol" panose="05050102010706020507" pitchFamily="18" charset="2"/>
+              <a:buChar char=""/>
+            </a:pPr>
+            <a:r>
+              <a:rPr lang="ru-RU" dirty="0"/>
+              <a:t>теневые зонды</a:t>
+            </a:r>
+            <a:r>
+              <a:rPr lang="en-US" dirty="0"/>
+              <a:t>;</a:t>
+            </a:r>
+          </a:p>
+          <a:p>
+            <a:pPr>
+              <a:buFont typeface="Symbol" panose="05050102010706020507" pitchFamily="18" charset="2"/>
+              <a:buChar char=""/>
+            </a:pPr>
+            <a:r>
+              <a:rPr lang="ru-RU" dirty="0"/>
+              <a:t>алгоритм Моллера Трумбора</a:t>
+            </a:r>
+            <a:r>
+              <a:rPr lang="en-US" dirty="0"/>
+              <a:t>.</a:t>
+            </a:r>
+            <a:endParaRPr lang="ru-RU" dirty="0"/>
+          </a:p>
+          <a:p>
+            <a:pPr>
+              <a:buFont typeface="Symbol" panose="05050102010706020507" pitchFamily="18" charset="2"/>
+              <a:buChar char=""/>
+            </a:pPr>
+            <a:endParaRPr lang="en-US" dirty="0"/>
+          </a:p>
+        </p:txBody>
+      </p:sp>
     </p:spTree>
     <p:extLst>
       <p:ext uri="{BB962C8B-B14F-4D97-AF65-F5344CB8AC3E}">
-        <p14:creationId xmlns:p14="http://schemas.microsoft.com/office/powerpoint/2010/main" val="839495447"/>
+        <p14:creationId xmlns:p14="http://schemas.microsoft.com/office/powerpoint/2010/main" val="2722329750"/>
       </p:ext>
     </p:extLst>
   </p:cSld>
@@ -4208,7 +4625,7 @@
           <p:cNvPr id="2" name="Title 1">
             <a:extLst>
               <a:ext uri="{FF2B5EF4-FFF2-40B4-BE49-F238E27FC236}">
-                <a16:creationId xmlns:a16="http://schemas.microsoft.com/office/drawing/2014/main" id="{4FD0403D-E0D4-476D-B84F-E54ED9B05E7F}"/>
+                <a16:creationId xmlns:a16="http://schemas.microsoft.com/office/drawing/2014/main" id="{27936EB4-356F-4C85-934D-EBBA72A3A244}"/>
               </a:ext>
             </a:extLst>
           </p:cNvPr>
@@ -4226,159 +4643,95 @@
           <a:p>
             <a:r>
               <a:rPr lang="ru-RU" dirty="0"/>
-              <a:t>Замеры времени</a:t>
+              <a:t>Многопоточность</a:t>
             </a:r>
             <a:endParaRPr lang="en-US" dirty="0"/>
           </a:p>
         </p:txBody>
       </p:sp>
-      <p:pic>
-        <p:nvPicPr>
-          <p:cNvPr id="5" name="Content Placeholder 4">
-            <a:extLst>
-              <a:ext uri="{FF2B5EF4-FFF2-40B4-BE49-F238E27FC236}">
-                <a16:creationId xmlns:a16="http://schemas.microsoft.com/office/drawing/2014/main" id="{CB416C42-6BEA-416D-B7C6-A92DBDEBDFB4}"/>
-              </a:ext>
-            </a:extLst>
-          </p:cNvPr>
-          <p:cNvPicPr>
-            <a:picLocks noGrp="1" noChangeAspect="1"/>
-          </p:cNvPicPr>
+      <p:sp>
+        <p:nvSpPr>
+          <p:cNvPr id="3" name="Content Placeholder 2">
+            <a:extLst>
+              <a:ext uri="{FF2B5EF4-FFF2-40B4-BE49-F238E27FC236}">
+                <a16:creationId xmlns:a16="http://schemas.microsoft.com/office/drawing/2014/main" id="{7D90F1F9-6C0C-4305-AEBA-DFFD9391C58D}"/>
+              </a:ext>
+            </a:extLst>
+          </p:cNvPr>
+          <p:cNvSpPr>
+            <a:spLocks noGrp="1"/>
+          </p:cNvSpPr>
           <p:nvPr>
             <p:ph idx="1"/>
           </p:nvPr>
-        </p:nvPicPr>
-        <p:blipFill>
-          <a:blip r:embed="rId2">
-            <a:extLst>
-              <a:ext uri="{28A0092B-C50C-407E-A947-70E740481C1C}">
-                <a14:useLocalDpi xmlns:a14="http://schemas.microsoft.com/office/drawing/2010/main" val="0"/>
-              </a:ext>
-            </a:extLst>
-          </a:blip>
-          <a:stretch>
-            <a:fillRect/>
-          </a:stretch>
-        </p:blipFill>
-        <p:spPr>
-          <a:xfrm>
-            <a:off x="838200" y="1688654"/>
-            <a:ext cx="4253918" cy="2381586"/>
-          </a:xfrm>
-        </p:spPr>
-      </p:pic>
-      <p:pic>
-        <p:nvPicPr>
-          <p:cNvPr id="7" name="Picture 6">
-            <a:extLst>
-              <a:ext uri="{FF2B5EF4-FFF2-40B4-BE49-F238E27FC236}">
-                <a16:creationId xmlns:a16="http://schemas.microsoft.com/office/drawing/2014/main" id="{3EF4C7D7-6322-4354-8278-F60A94C3E629}"/>
-              </a:ext>
-            </a:extLst>
-          </p:cNvPr>
-          <p:cNvPicPr>
-            <a:picLocks noChangeAspect="1"/>
-          </p:cNvPicPr>
-          <p:nvPr/>
-        </p:nvPicPr>
-        <p:blipFill>
-          <a:blip r:embed="rId3">
-            <a:extLst>
-              <a:ext uri="{28A0092B-C50C-407E-A947-70E740481C1C}">
-                <a14:useLocalDpi xmlns:a14="http://schemas.microsoft.com/office/drawing/2010/main" val="0"/>
-              </a:ext>
-            </a:extLst>
-          </a:blip>
-          <a:stretch>
-            <a:fillRect/>
-          </a:stretch>
-        </p:blipFill>
-        <p:spPr>
-          <a:xfrm>
-            <a:off x="6974184" y="1688653"/>
-            <a:ext cx="4241898" cy="2377689"/>
-          </a:xfrm>
-          <a:prstGeom prst="rect">
-            <a:avLst/>
-          </a:prstGeom>
-        </p:spPr>
-      </p:pic>
-      <p:pic>
-        <p:nvPicPr>
-          <p:cNvPr id="9" name="Picture 8">
-            <a:extLst>
-              <a:ext uri="{FF2B5EF4-FFF2-40B4-BE49-F238E27FC236}">
-                <a16:creationId xmlns:a16="http://schemas.microsoft.com/office/drawing/2014/main" id="{F6E47396-A39E-4B9B-91AD-831CF4A64CB1}"/>
-              </a:ext>
-            </a:extLst>
-          </p:cNvPr>
-          <p:cNvPicPr>
-            <a:picLocks noChangeAspect="1"/>
-          </p:cNvPicPr>
-          <p:nvPr/>
-        </p:nvPicPr>
-        <p:blipFill>
-          <a:blip r:embed="rId4">
-            <a:extLst>
-              <a:ext uri="{28A0092B-C50C-407E-A947-70E740481C1C}">
-                <a14:useLocalDpi xmlns:a14="http://schemas.microsoft.com/office/drawing/2010/main" val="0"/>
-              </a:ext>
-            </a:extLst>
-          </a:blip>
-          <a:stretch>
-            <a:fillRect/>
-          </a:stretch>
-        </p:blipFill>
-        <p:spPr>
-          <a:xfrm>
-            <a:off x="838200" y="4143537"/>
-            <a:ext cx="4243621" cy="2374709"/>
-          </a:xfrm>
-          <a:prstGeom prst="rect">
-            <a:avLst/>
-          </a:prstGeom>
-        </p:spPr>
-      </p:pic>
-      <p:pic>
-        <p:nvPicPr>
-          <p:cNvPr id="11" name="Picture 10">
-            <a:extLst>
-              <a:ext uri="{FF2B5EF4-FFF2-40B4-BE49-F238E27FC236}">
-                <a16:creationId xmlns:a16="http://schemas.microsoft.com/office/drawing/2014/main" id="{002D916B-88AF-4BC6-8EC0-336D02DDBFF5}"/>
-              </a:ext>
-            </a:extLst>
-          </p:cNvPr>
-          <p:cNvPicPr>
-            <a:picLocks noChangeAspect="1"/>
-          </p:cNvPicPr>
-          <p:nvPr/>
-        </p:nvPicPr>
-        <p:blipFill>
-          <a:blip r:embed="rId5">
-            <a:extLst>
-              <a:ext uri="{28A0092B-C50C-407E-A947-70E740481C1C}">
-                <a14:useLocalDpi xmlns:a14="http://schemas.microsoft.com/office/drawing/2010/main" val="0"/>
-              </a:ext>
-            </a:extLst>
-          </a:blip>
-          <a:stretch>
-            <a:fillRect/>
-          </a:stretch>
-        </p:blipFill>
-        <p:spPr>
-          <a:xfrm>
-            <a:off x="6974184" y="4143537"/>
-            <a:ext cx="4263690" cy="2383098"/>
-          </a:xfrm>
-          <a:prstGeom prst="rect">
-            <a:avLst/>
-          </a:prstGeom>
-        </p:spPr>
-      </p:pic>
+        </p:nvSpPr>
+        <p:spPr/>
+        <p:txBody>
+          <a:bodyPr/>
+          <a:lstStyle/>
+          <a:p>
+            <a:pPr marL="0" indent="0">
+              <a:buNone/>
+            </a:pPr>
+            <a:r>
+              <a:rPr lang="ru-RU" dirty="0"/>
+              <a:t>Задача потока:</a:t>
+            </a:r>
+          </a:p>
+          <a:p>
+            <a:pPr>
+              <a:buFont typeface="Symbol" panose="05050102010706020507" pitchFamily="18" charset="2"/>
+              <a:buChar char=""/>
+            </a:pPr>
+            <a:r>
+              <a:rPr lang="ru-RU" dirty="0"/>
+              <a:t>определить строку для отрисовки</a:t>
+            </a:r>
+            <a:r>
+              <a:rPr lang="en-US" dirty="0"/>
+              <a:t>;</a:t>
+            </a:r>
+            <a:endParaRPr lang="ru-RU" dirty="0"/>
+          </a:p>
+          <a:p>
+            <a:pPr>
+              <a:buFont typeface="Symbol" panose="05050102010706020507" pitchFamily="18" charset="2"/>
+              <a:buChar char=""/>
+            </a:pPr>
+            <a:r>
+              <a:rPr lang="ru-RU" dirty="0"/>
+              <a:t>записать результат во временный буффер</a:t>
+            </a:r>
+            <a:r>
+              <a:rPr lang="en-US" dirty="0"/>
+              <a:t>;</a:t>
+            </a:r>
+            <a:endParaRPr lang="ru-RU" dirty="0"/>
+          </a:p>
+          <a:p>
+            <a:pPr>
+              <a:buFont typeface="Symbol" panose="05050102010706020507" pitchFamily="18" charset="2"/>
+              <a:buChar char=""/>
+            </a:pPr>
+            <a:r>
+              <a:rPr lang="ru-RU" dirty="0"/>
+              <a:t>скопировать буффер в </a:t>
+            </a:r>
+            <a:r>
+              <a:rPr lang="en-US" dirty="0" err="1"/>
+              <a:t>QImage</a:t>
+            </a:r>
+            <a:r>
+              <a:rPr lang="en-US" dirty="0"/>
+              <a:t>.</a:t>
+            </a:r>
+          </a:p>
+        </p:txBody>
+      </p:sp>
     </p:spTree>
     <p:extLst>
       <p:ext uri="{BB962C8B-B14F-4D97-AF65-F5344CB8AC3E}">
-        <p14:creationId xmlns:p14="http://schemas.microsoft.com/office/powerpoint/2010/main" val="3230398940"/>
+        <p14:creationId xmlns:p14="http://schemas.microsoft.com/office/powerpoint/2010/main" val="2039893254"/>
       </p:ext>
     </p:extLst>
   </p:cSld>
@@ -4410,7 +4763,7 @@
           <p:cNvPr id="2" name="Title 1">
             <a:extLst>
               <a:ext uri="{FF2B5EF4-FFF2-40B4-BE49-F238E27FC236}">
-                <a16:creationId xmlns:a16="http://schemas.microsoft.com/office/drawing/2014/main" id="{F9DAD973-660A-4D9E-9722-86BE54F8FF21}"/>
+                <a16:creationId xmlns:a16="http://schemas.microsoft.com/office/drawing/2014/main" id="{46F39BCD-5448-4837-A11B-2F6FAB3DEFE0}"/>
               </a:ext>
             </a:extLst>
           </p:cNvPr>
@@ -4428,7 +4781,7 @@
           <a:p>
             <a:r>
               <a:rPr lang="ru-RU" dirty="0"/>
-              <a:t>Заключение</a:t>
+              <a:t>Полигональные модели</a:t>
             </a:r>
             <a:endParaRPr lang="en-US" dirty="0"/>
           </a:p>
@@ -4436,10 +4789,10 @@
       </p:sp>
       <p:sp>
         <p:nvSpPr>
-          <p:cNvPr id="3" name="Content Placeholder 2">
-            <a:extLst>
-              <a:ext uri="{FF2B5EF4-FFF2-40B4-BE49-F238E27FC236}">
-                <a16:creationId xmlns:a16="http://schemas.microsoft.com/office/drawing/2014/main" id="{6E355C6D-8EDE-496B-8717-B91CD1901C01}"/>
+          <p:cNvPr id="7" name="Content Placeholder 6">
+            <a:extLst>
+              <a:ext uri="{FF2B5EF4-FFF2-40B4-BE49-F238E27FC236}">
+                <a16:creationId xmlns:a16="http://schemas.microsoft.com/office/drawing/2014/main" id="{7EAD31FE-0CE0-4EA5-9AC7-1B43F9D5A199}"/>
               </a:ext>
             </a:extLst>
           </p:cNvPr>
@@ -4460,70 +4813,84 @@
             </a:pPr>
             <a:r>
               <a:rPr lang="ru-RU" dirty="0"/>
-              <a:t>В ходе выполнения курсовой работы были получены следующие результаты:</a:t>
-            </a:r>
-          </a:p>
-          <a:p>
-            <a:pPr>
-              <a:buFont typeface="Symbol" panose="05050102010706020507" pitchFamily="18" charset="2"/>
-              <a:buChar char="-"/>
-            </a:pPr>
+              <a:t>Сцена содержит в себе </a:t>
+            </a:r>
+            <a:r>
+              <a:rPr lang="en-US" dirty="0"/>
+              <a:t>763</a:t>
+            </a:r>
             <a:r>
               <a:rPr lang="ru-RU" dirty="0"/>
-              <a:t>изучены различные способы отрисовки сцены</a:t>
-            </a:r>
-            <a:r>
-              <a:rPr lang="en-US" dirty="0"/>
-              <a:t>;</a:t>
-            </a:r>
-            <a:endParaRPr lang="ru-RU" dirty="0"/>
-          </a:p>
-          <a:p>
-            <a:pPr>
-              <a:buFont typeface="Symbol" panose="05050102010706020507" pitchFamily="18" charset="2"/>
-              <a:buChar char="-"/>
-            </a:pPr>
-            <a:r>
-              <a:rPr lang="ru-RU" dirty="0"/>
-              <a:t>спроектирована и реализована программа, моделирующая зеркальный кубик Рубика</a:t>
-            </a:r>
-            <a:r>
-              <a:rPr lang="en-US" dirty="0"/>
-              <a:t>;</a:t>
-            </a:r>
-          </a:p>
-          <a:p>
-            <a:pPr>
-              <a:buFont typeface="Symbol" panose="05050102010706020507" pitchFamily="18" charset="2"/>
-              <a:buChar char="-"/>
-            </a:pPr>
-            <a:r>
-              <a:rPr lang="ru-RU" dirty="0"/>
-              <a:t>разработанная программа при отрисовке сцены учитывает наличие источников света</a:t>
-            </a:r>
-            <a:r>
-              <a:rPr lang="en-US" dirty="0"/>
-              <a:t>;</a:t>
-            </a:r>
-            <a:endParaRPr lang="ru-RU" dirty="0"/>
-          </a:p>
-          <a:p>
-            <a:pPr>
-              <a:buFont typeface="Symbol" panose="05050102010706020507" pitchFamily="18" charset="2"/>
-              <a:buChar char="-"/>
-            </a:pPr>
-            <a:r>
-              <a:rPr lang="ru-RU" dirty="0"/>
-              <a:t>разработанная программа поддерживает возможность изменять позицию камеры и конфигурацию зеркального кубика Рубика.</a:t>
+              <a:t> полигонов.</a:t>
             </a:r>
             <a:endParaRPr lang="en-US" dirty="0"/>
           </a:p>
         </p:txBody>
       </p:sp>
+      <p:pic>
+        <p:nvPicPr>
+          <p:cNvPr id="9" name="Picture 8">
+            <a:extLst>
+              <a:ext uri="{FF2B5EF4-FFF2-40B4-BE49-F238E27FC236}">
+                <a16:creationId xmlns:a16="http://schemas.microsoft.com/office/drawing/2014/main" id="{E52AC77D-F435-4234-AAAE-0F78BE92C9EF}"/>
+              </a:ext>
+            </a:extLst>
+          </p:cNvPr>
+          <p:cNvPicPr>
+            <a:picLocks noChangeAspect="1"/>
+          </p:cNvPicPr>
+          <p:nvPr/>
+        </p:nvPicPr>
+        <p:blipFill>
+          <a:blip r:embed="rId2"/>
+          <a:stretch>
+            <a:fillRect/>
+          </a:stretch>
+        </p:blipFill>
+        <p:spPr>
+          <a:xfrm>
+            <a:off x="6606763" y="3033243"/>
+            <a:ext cx="3810532" cy="3077004"/>
+          </a:xfrm>
+          <a:prstGeom prst="rect">
+            <a:avLst/>
+          </a:prstGeom>
+        </p:spPr>
+      </p:pic>
+      <p:pic>
+        <p:nvPicPr>
+          <p:cNvPr id="11" name="Picture 10">
+            <a:extLst>
+              <a:ext uri="{FF2B5EF4-FFF2-40B4-BE49-F238E27FC236}">
+                <a16:creationId xmlns:a16="http://schemas.microsoft.com/office/drawing/2014/main" id="{129C59D3-D2F7-4DE2-8018-5FEAE3C73C41}"/>
+              </a:ext>
+            </a:extLst>
+          </p:cNvPr>
+          <p:cNvPicPr>
+            <a:picLocks noChangeAspect="1"/>
+          </p:cNvPicPr>
+          <p:nvPr/>
+        </p:nvPicPr>
+        <p:blipFill>
+          <a:blip r:embed="rId3"/>
+          <a:stretch>
+            <a:fillRect/>
+          </a:stretch>
+        </p:blipFill>
+        <p:spPr>
+          <a:xfrm>
+            <a:off x="1191101" y="3042769"/>
+            <a:ext cx="3820058" cy="3067478"/>
+          </a:xfrm>
+          <a:prstGeom prst="rect">
+            <a:avLst/>
+          </a:prstGeom>
+        </p:spPr>
+      </p:pic>
     </p:spTree>
     <p:extLst>
       <p:ext uri="{BB962C8B-B14F-4D97-AF65-F5344CB8AC3E}">
-        <p14:creationId xmlns:p14="http://schemas.microsoft.com/office/powerpoint/2010/main" val="114466701"/>
+        <p14:creationId xmlns:p14="http://schemas.microsoft.com/office/powerpoint/2010/main" val="104323476"/>
       </p:ext>
     </p:extLst>
   </p:cSld>

--- a/doc/Моделирование зеркального кубика Рубика.pptx
+++ b/doc/Моделирование зеркального кубика Рубика.pptx
@@ -16,7 +16,8 @@
     <p:sldId id="263" r:id="rId10"/>
     <p:sldId id="261" r:id="rId11"/>
     <p:sldId id="264" r:id="rId12"/>
-    <p:sldId id="258" r:id="rId13"/>
+    <p:sldId id="268" r:id="rId13"/>
+    <p:sldId id="258" r:id="rId14"/>
   </p:sldIdLst>
   <p:sldSz cx="12192000" cy="6858000"/>
   <p:notesSz cx="6858000" cy="9144000"/>
@@ -3622,7 +3623,7 @@
           <a:p>
             <a:r>
               <a:rPr lang="ru-RU" dirty="0"/>
-              <a:t>Замеры времени</a:t>
+              <a:t>Примеры работы программы</a:t>
             </a:r>
             <a:endParaRPr lang="en-US" dirty="0"/>
           </a:p>
@@ -3785,6 +3786,94 @@
 </file>
 
 <file path=ppt/slides/slide12.xml><?xml version="1.0" encoding="utf-8"?>
+<p:sld xmlns:a="http://schemas.openxmlformats.org/drawingml/2006/main" xmlns:r="http://schemas.openxmlformats.org/officeDocument/2006/relationships" xmlns:p="http://schemas.openxmlformats.org/presentationml/2006/main">
+  <p:cSld>
+    <p:spTree>
+      <p:nvGrpSpPr>
+        <p:cNvPr id="1" name=""/>
+        <p:cNvGrpSpPr/>
+        <p:nvPr/>
+      </p:nvGrpSpPr>
+      <p:grpSpPr>
+        <a:xfrm>
+          <a:off x="0" y="0"/>
+          <a:ext cx="0" cy="0"/>
+          <a:chOff x="0" y="0"/>
+          <a:chExt cx="0" cy="0"/>
+        </a:xfrm>
+      </p:grpSpPr>
+      <p:sp>
+        <p:nvSpPr>
+          <p:cNvPr id="2" name="Title 1">
+            <a:extLst>
+              <a:ext uri="{FF2B5EF4-FFF2-40B4-BE49-F238E27FC236}">
+                <a16:creationId xmlns:a16="http://schemas.microsoft.com/office/drawing/2014/main" id="{8C5DA073-DE1D-48BA-9D69-296B03092DD3}"/>
+              </a:ext>
+            </a:extLst>
+          </p:cNvPr>
+          <p:cNvSpPr>
+            <a:spLocks noGrp="1"/>
+          </p:cNvSpPr>
+          <p:nvPr>
+            <p:ph type="title"/>
+          </p:nvPr>
+        </p:nvSpPr>
+        <p:spPr/>
+        <p:txBody>
+          <a:bodyPr/>
+          <a:lstStyle/>
+          <a:p>
+            <a:r>
+              <a:rPr lang="ru-RU" dirty="0"/>
+              <a:t>Замеры времени</a:t>
+            </a:r>
+            <a:endParaRPr lang="en-US" dirty="0"/>
+          </a:p>
+        </p:txBody>
+      </p:sp>
+      <p:pic>
+        <p:nvPicPr>
+          <p:cNvPr id="5" name="Content Placeholder 4">
+            <a:extLst>
+              <a:ext uri="{FF2B5EF4-FFF2-40B4-BE49-F238E27FC236}">
+                <a16:creationId xmlns:a16="http://schemas.microsoft.com/office/drawing/2014/main" id="{2DE82D55-BF47-458F-B23D-0DAF56BEA672}"/>
+              </a:ext>
+            </a:extLst>
+          </p:cNvPr>
+          <p:cNvPicPr>
+            <a:picLocks noGrp="1" noChangeAspect="1"/>
+          </p:cNvPicPr>
+          <p:nvPr>
+            <p:ph idx="1"/>
+          </p:nvPr>
+        </p:nvPicPr>
+        <p:blipFill>
+          <a:blip r:embed="rId2"/>
+          <a:stretch>
+            <a:fillRect/>
+          </a:stretch>
+        </p:blipFill>
+        <p:spPr>
+          <a:xfrm>
+            <a:off x="2942785" y="2319897"/>
+            <a:ext cx="6306430" cy="3362794"/>
+          </a:xfrm>
+        </p:spPr>
+      </p:pic>
+    </p:spTree>
+    <p:extLst>
+      <p:ext uri="{BB962C8B-B14F-4D97-AF65-F5344CB8AC3E}">
+        <p14:creationId xmlns:p14="http://schemas.microsoft.com/office/powerpoint/2010/main" val="2518202526"/>
+      </p:ext>
+    </p:extLst>
+  </p:cSld>
+  <p:clrMapOvr>
+    <a:masterClrMapping/>
+  </p:clrMapOvr>
+</p:sld>
+</file>
+
+<file path=ppt/slides/slide13.xml><?xml version="1.0" encoding="utf-8"?>
 <p:sld xmlns:a="http://schemas.openxmlformats.org/drawingml/2006/main" xmlns:r="http://schemas.openxmlformats.org/officeDocument/2006/relationships" xmlns:p="http://schemas.openxmlformats.org/presentationml/2006/main">
   <p:cSld>
     <p:spTree>
